--- a/ChaineFonctionnelle/03_Fonction_Moduler/03_Fonction_Moduler_Figures.pptx
+++ b/ChaineFonctionnelle/03_Fonction_Moduler/03_Fonction_Moduler_Figures.pptx
@@ -218,7 +218,7 @@
             <a:fld id="{31555DB1-8736-42A3-B48D-2B08FB93332A}" type="datetimeFigureOut">
               <a:rPr lang="fr-FR" smtClean="0"/>
               <a:pPr/>
-              <a:t>08/04/2016</a:t>
+              <a:t>09/04/2016</a:t>
             </a:fld>
             <a:endParaRPr lang="fr-FR"/>
           </a:p>
@@ -377,7 +377,7 @@
             <a:fld id="{0BDB199F-A56C-4049-BA04-1447030960FF}" type="datetimeFigureOut">
               <a:rPr lang="fr-FR"/>
               <a:pPr/>
-              <a:t>08/04/2016</a:t>
+              <a:t>09/04/2016</a:t>
             </a:fld>
             <a:endParaRPr lang="fr-FR"/>
           </a:p>
@@ -5562,7 +5562,7 @@
                 </a:solidFill>
               </a:rPr>
               <a:pPr/>
-              <a:t>08/04/2016</a:t>
+              <a:t>09/04/2016</a:t>
             </a:fld>
             <a:endParaRPr lang="fr-FR">
               <a:solidFill>
@@ -5764,7 +5764,7 @@
                 </a:solidFill>
               </a:rPr>
               <a:pPr/>
-              <a:t>08/04/2016</a:t>
+              <a:t>09/04/2016</a:t>
             </a:fld>
             <a:endParaRPr lang="fr-FR">
               <a:solidFill>
@@ -6042,7 +6042,7 @@
                 </a:solidFill>
               </a:rPr>
               <a:pPr/>
-              <a:t>08/04/2016</a:t>
+              <a:t>09/04/2016</a:t>
             </a:fld>
             <a:endParaRPr lang="fr-FR">
               <a:solidFill>
@@ -6771,7 +6771,7 @@
                 </a:solidFill>
               </a:rPr>
               <a:pPr/>
-              <a:t>08/04/2016</a:t>
+              <a:t>09/04/2016</a:t>
             </a:fld>
             <a:endParaRPr lang="fr-FR">
               <a:solidFill>
@@ -7225,7 +7225,7 @@
                 </a:solidFill>
               </a:rPr>
               <a:pPr/>
-              <a:t>08/04/2016</a:t>
+              <a:t>09/04/2016</a:t>
             </a:fld>
             <a:endParaRPr lang="fr-FR">
               <a:solidFill>
@@ -7375,7 +7375,7 @@
                 </a:solidFill>
               </a:rPr>
               <a:pPr/>
-              <a:t>08/04/2016</a:t>
+              <a:t>09/04/2016</a:t>
             </a:fld>
             <a:endParaRPr lang="fr-FR">
               <a:solidFill>
@@ -7502,7 +7502,7 @@
                 </a:solidFill>
               </a:rPr>
               <a:pPr/>
-              <a:t>08/04/2016</a:t>
+              <a:t>09/04/2016</a:t>
             </a:fld>
             <a:endParaRPr lang="fr-FR">
               <a:solidFill>
@@ -7811,7 +7811,7 @@
                 </a:solidFill>
               </a:rPr>
               <a:pPr/>
-              <a:t>08/04/2016</a:t>
+              <a:t>09/04/2016</a:t>
             </a:fld>
             <a:endParaRPr lang="fr-FR">
               <a:solidFill>
@@ -8096,7 +8096,7 @@
                 </a:solidFill>
               </a:rPr>
               <a:pPr/>
-              <a:t>08/04/2016</a:t>
+              <a:t>09/04/2016</a:t>
             </a:fld>
             <a:endParaRPr lang="fr-FR">
               <a:solidFill>
@@ -8298,7 +8298,7 @@
                 </a:solidFill>
               </a:rPr>
               <a:pPr/>
-              <a:t>08/04/2016</a:t>
+              <a:t>09/04/2016</a:t>
             </a:fld>
             <a:endParaRPr lang="fr-FR">
               <a:solidFill>
@@ -8510,7 +8510,7 @@
                 </a:solidFill>
               </a:rPr>
               <a:pPr/>
-              <a:t>08/04/2016</a:t>
+              <a:t>09/04/2016</a:t>
             </a:fld>
             <a:endParaRPr lang="fr-FR">
               <a:solidFill>
@@ -8784,7 +8784,7 @@
                 </a:solidFill>
               </a:rPr>
               <a:pPr/>
-              <a:t>08/04/2016</a:t>
+              <a:t>09/04/2016</a:t>
             </a:fld>
             <a:endParaRPr lang="fr-BE">
               <a:solidFill>
@@ -8986,7 +8986,7 @@
                 </a:solidFill>
               </a:rPr>
               <a:pPr/>
-              <a:t>08/04/2016</a:t>
+              <a:t>09/04/2016</a:t>
             </a:fld>
             <a:endParaRPr lang="fr-BE">
               <a:solidFill>
@@ -10460,7 +10460,7 @@
                 </a:solidFill>
               </a:rPr>
               <a:pPr/>
-              <a:t>08/04/2016</a:t>
+              <a:t>09/04/2016</a:t>
             </a:fld>
             <a:endParaRPr lang="fr-BE">
               <a:solidFill>
@@ -10780,7 +10780,7 @@
                 </a:solidFill>
               </a:rPr>
               <a:pPr/>
-              <a:t>08/04/2016</a:t>
+              <a:t>09/04/2016</a:t>
             </a:fld>
             <a:endParaRPr lang="fr-BE">
               <a:solidFill>
@@ -11234,7 +11234,7 @@
                 </a:solidFill>
               </a:rPr>
               <a:pPr/>
-              <a:t>08/04/2016</a:t>
+              <a:t>09/04/2016</a:t>
             </a:fld>
             <a:endParaRPr lang="fr-BE">
               <a:solidFill>
@@ -11384,7 +11384,7 @@
                 </a:solidFill>
               </a:rPr>
               <a:pPr/>
-              <a:t>08/04/2016</a:t>
+              <a:t>09/04/2016</a:t>
             </a:fld>
             <a:endParaRPr lang="fr-BE">
               <a:solidFill>
@@ -11511,7 +11511,7 @@
                 </a:solidFill>
               </a:rPr>
               <a:pPr/>
-              <a:t>08/04/2016</a:t>
+              <a:t>09/04/2016</a:t>
             </a:fld>
             <a:endParaRPr lang="fr-BE">
               <a:solidFill>
@@ -11820,7 +11820,7 @@
                 </a:solidFill>
               </a:rPr>
               <a:pPr/>
-              <a:t>08/04/2016</a:t>
+              <a:t>09/04/2016</a:t>
             </a:fld>
             <a:endParaRPr lang="fr-BE">
               <a:solidFill>
@@ -12105,7 +12105,7 @@
                 </a:solidFill>
               </a:rPr>
               <a:pPr/>
-              <a:t>08/04/2016</a:t>
+              <a:t>09/04/2016</a:t>
             </a:fld>
             <a:endParaRPr lang="fr-BE">
               <a:solidFill>
@@ -12307,7 +12307,7 @@
                 </a:solidFill>
               </a:rPr>
               <a:pPr/>
-              <a:t>08/04/2016</a:t>
+              <a:t>09/04/2016</a:t>
             </a:fld>
             <a:endParaRPr lang="fr-BE">
               <a:solidFill>
@@ -12519,7 +12519,7 @@
                 </a:solidFill>
               </a:rPr>
               <a:pPr/>
-              <a:t>08/04/2016</a:t>
+              <a:t>09/04/2016</a:t>
             </a:fld>
             <a:endParaRPr lang="fr-BE">
               <a:solidFill>
@@ -15263,7 +15263,7 @@
                 </a:solidFill>
               </a:rPr>
               <a:pPr/>
-              <a:t>08/04/2016</a:t>
+              <a:t>09/04/2016</a:t>
             </a:fld>
             <a:endParaRPr>
               <a:solidFill>
@@ -22532,7 +22532,7 @@
         </p:blipFill>
         <p:spPr bwMode="auto">
           <a:xfrm>
-            <a:off x="4572000" y="1124744"/>
+            <a:off x="4499992" y="913517"/>
             <a:ext cx="4286250" cy="2581275"/>
           </a:xfrm>
           <a:prstGeom prst="rect">
